--- a/プレゼンテーション1.pptx
+++ b/プレゼンテーション1.pptx
@@ -104,6 +104,11 @@
       </a:defRPr>
     </a:lvl9pPr>
   </p:defaultTextStyle>
+  <p:extLst>
+    <p:ext uri="{EFAFB233-063F-42B5-8137-9DF3F51BA10A}">
+      <p15:sldGuideLst xmlns:p15="http://schemas.microsoft.com/office/powerpoint/2012/main"/>
+    </p:ext>
+  </p:extLst>
 </p:presentation>
 </file>
 
@@ -3688,8 +3693,12 @@
               <a:t>dat</a:t>
             </a:r>
             <a:r>
+              <a:rPr lang="ja-JP" altLang="en-US"/>
+              <a:t>をバイト型と</a:t>
+            </a:r>
+            <a:r>
               <a:rPr lang="ja-JP" altLang="en-US" dirty="0"/>
-              <a:t>を文字列として結合</a:t>
+              <a:t>して結合</a:t>
             </a:r>
           </a:p>
         </p:txBody>

--- a/プレゼンテーション1.pptx
+++ b/プレゼンテーション1.pptx
@@ -243,7 +243,7 @@
           <a:p>
             <a:fld id="{6B94EB93-6621-42F2-BC89-CD70A6A9EB52}" type="datetimeFigureOut">
               <a:rPr kumimoji="1" lang="ja-JP" altLang="en-US" smtClean="0"/>
-              <a:t>2023/12/24</a:t>
+              <a:t>2023/12/25</a:t>
             </a:fld>
             <a:endParaRPr kumimoji="1" lang="ja-JP" altLang="en-US"/>
           </a:p>
@@ -445,7 +445,7 @@
           <a:p>
             <a:fld id="{6B94EB93-6621-42F2-BC89-CD70A6A9EB52}" type="datetimeFigureOut">
               <a:rPr kumimoji="1" lang="ja-JP" altLang="en-US" smtClean="0"/>
-              <a:t>2023/12/24</a:t>
+              <a:t>2023/12/25</a:t>
             </a:fld>
             <a:endParaRPr kumimoji="1" lang="ja-JP" altLang="en-US"/>
           </a:p>
@@ -657,7 +657,7 @@
           <a:p>
             <a:fld id="{6B94EB93-6621-42F2-BC89-CD70A6A9EB52}" type="datetimeFigureOut">
               <a:rPr kumimoji="1" lang="ja-JP" altLang="en-US" smtClean="0"/>
-              <a:t>2023/12/24</a:t>
+              <a:t>2023/12/25</a:t>
             </a:fld>
             <a:endParaRPr kumimoji="1" lang="ja-JP" altLang="en-US"/>
           </a:p>
@@ -859,7 +859,7 @@
           <a:p>
             <a:fld id="{6B94EB93-6621-42F2-BC89-CD70A6A9EB52}" type="datetimeFigureOut">
               <a:rPr kumimoji="1" lang="ja-JP" altLang="en-US" smtClean="0"/>
-              <a:t>2023/12/24</a:t>
+              <a:t>2023/12/25</a:t>
             </a:fld>
             <a:endParaRPr kumimoji="1" lang="ja-JP" altLang="en-US"/>
           </a:p>
@@ -1103,7 +1103,7 @@
           <a:p>
             <a:fld id="{6B94EB93-6621-42F2-BC89-CD70A6A9EB52}" type="datetimeFigureOut">
               <a:rPr kumimoji="1" lang="ja-JP" altLang="en-US" smtClean="0"/>
-              <a:t>2023/12/24</a:t>
+              <a:t>2023/12/25</a:t>
             </a:fld>
             <a:endParaRPr kumimoji="1" lang="ja-JP" altLang="en-US"/>
           </a:p>
@@ -1399,7 +1399,7 @@
           <a:p>
             <a:fld id="{6B94EB93-6621-42F2-BC89-CD70A6A9EB52}" type="datetimeFigureOut">
               <a:rPr kumimoji="1" lang="ja-JP" altLang="en-US" smtClean="0"/>
-              <a:t>2023/12/24</a:t>
+              <a:t>2023/12/25</a:t>
             </a:fld>
             <a:endParaRPr kumimoji="1" lang="ja-JP" altLang="en-US"/>
           </a:p>
@@ -1830,7 +1830,7 @@
           <a:p>
             <a:fld id="{6B94EB93-6621-42F2-BC89-CD70A6A9EB52}" type="datetimeFigureOut">
               <a:rPr kumimoji="1" lang="ja-JP" altLang="en-US" smtClean="0"/>
-              <a:t>2023/12/24</a:t>
+              <a:t>2023/12/25</a:t>
             </a:fld>
             <a:endParaRPr kumimoji="1" lang="ja-JP" altLang="en-US"/>
           </a:p>
@@ -1948,7 +1948,7 @@
           <a:p>
             <a:fld id="{6B94EB93-6621-42F2-BC89-CD70A6A9EB52}" type="datetimeFigureOut">
               <a:rPr kumimoji="1" lang="ja-JP" altLang="en-US" smtClean="0"/>
-              <a:t>2023/12/24</a:t>
+              <a:t>2023/12/25</a:t>
             </a:fld>
             <a:endParaRPr kumimoji="1" lang="ja-JP" altLang="en-US"/>
           </a:p>
@@ -2043,7 +2043,7 @@
           <a:p>
             <a:fld id="{6B94EB93-6621-42F2-BC89-CD70A6A9EB52}" type="datetimeFigureOut">
               <a:rPr kumimoji="1" lang="ja-JP" altLang="en-US" smtClean="0"/>
-              <a:t>2023/12/24</a:t>
+              <a:t>2023/12/25</a:t>
             </a:fld>
             <a:endParaRPr kumimoji="1" lang="ja-JP" altLang="en-US"/>
           </a:p>
@@ -2352,7 +2352,7 @@
           <a:p>
             <a:fld id="{6B94EB93-6621-42F2-BC89-CD70A6A9EB52}" type="datetimeFigureOut">
               <a:rPr kumimoji="1" lang="ja-JP" altLang="en-US" smtClean="0"/>
-              <a:t>2023/12/24</a:t>
+              <a:t>2023/12/25</a:t>
             </a:fld>
             <a:endParaRPr kumimoji="1" lang="ja-JP" altLang="en-US"/>
           </a:p>
@@ -2609,7 +2609,7 @@
           <a:p>
             <a:fld id="{6B94EB93-6621-42F2-BC89-CD70A6A9EB52}" type="datetimeFigureOut">
               <a:rPr kumimoji="1" lang="ja-JP" altLang="en-US" smtClean="0"/>
-              <a:t>2023/12/24</a:t>
+              <a:t>2023/12/25</a:t>
             </a:fld>
             <a:endParaRPr kumimoji="1" lang="ja-JP" altLang="en-US"/>
           </a:p>
@@ -2854,7 +2854,7 @@
           <a:p>
             <a:fld id="{6B94EB93-6621-42F2-BC89-CD70A6A9EB52}" type="datetimeFigureOut">
               <a:rPr kumimoji="1" lang="ja-JP" altLang="en-US" smtClean="0"/>
-              <a:t>2023/12/24</a:t>
+              <a:t>2023/12/25</a:t>
             </a:fld>
             <a:endParaRPr kumimoji="1" lang="ja-JP" altLang="en-US"/>
           </a:p>
@@ -3694,7 +3694,7 @@
             </a:r>
             <a:r>
               <a:rPr lang="ja-JP" altLang="en-US"/>
-              <a:t>をバイト型と</a:t>
+              <a:t>を文字列と</a:t>
             </a:r>
             <a:r>
               <a:rPr lang="ja-JP" altLang="en-US" dirty="0"/>

--- a/プレゼンテーション1.pptx
+++ b/プレゼンテーション1.pptx
@@ -243,7 +243,7 @@
           <a:p>
             <a:fld id="{6B94EB93-6621-42F2-BC89-CD70A6A9EB52}" type="datetimeFigureOut">
               <a:rPr kumimoji="1" lang="ja-JP" altLang="en-US" smtClean="0"/>
-              <a:t>2023/12/25</a:t>
+              <a:t>2023/12/26</a:t>
             </a:fld>
             <a:endParaRPr kumimoji="1" lang="ja-JP" altLang="en-US"/>
           </a:p>
@@ -445,7 +445,7 @@
           <a:p>
             <a:fld id="{6B94EB93-6621-42F2-BC89-CD70A6A9EB52}" type="datetimeFigureOut">
               <a:rPr kumimoji="1" lang="ja-JP" altLang="en-US" smtClean="0"/>
-              <a:t>2023/12/25</a:t>
+              <a:t>2023/12/26</a:t>
             </a:fld>
             <a:endParaRPr kumimoji="1" lang="ja-JP" altLang="en-US"/>
           </a:p>
@@ -657,7 +657,7 @@
           <a:p>
             <a:fld id="{6B94EB93-6621-42F2-BC89-CD70A6A9EB52}" type="datetimeFigureOut">
               <a:rPr kumimoji="1" lang="ja-JP" altLang="en-US" smtClean="0"/>
-              <a:t>2023/12/25</a:t>
+              <a:t>2023/12/26</a:t>
             </a:fld>
             <a:endParaRPr kumimoji="1" lang="ja-JP" altLang="en-US"/>
           </a:p>
@@ -859,7 +859,7 @@
           <a:p>
             <a:fld id="{6B94EB93-6621-42F2-BC89-CD70A6A9EB52}" type="datetimeFigureOut">
               <a:rPr kumimoji="1" lang="ja-JP" altLang="en-US" smtClean="0"/>
-              <a:t>2023/12/25</a:t>
+              <a:t>2023/12/26</a:t>
             </a:fld>
             <a:endParaRPr kumimoji="1" lang="ja-JP" altLang="en-US"/>
           </a:p>
@@ -1103,7 +1103,7 @@
           <a:p>
             <a:fld id="{6B94EB93-6621-42F2-BC89-CD70A6A9EB52}" type="datetimeFigureOut">
               <a:rPr kumimoji="1" lang="ja-JP" altLang="en-US" smtClean="0"/>
-              <a:t>2023/12/25</a:t>
+              <a:t>2023/12/26</a:t>
             </a:fld>
             <a:endParaRPr kumimoji="1" lang="ja-JP" altLang="en-US"/>
           </a:p>
@@ -1399,7 +1399,7 @@
           <a:p>
             <a:fld id="{6B94EB93-6621-42F2-BC89-CD70A6A9EB52}" type="datetimeFigureOut">
               <a:rPr kumimoji="1" lang="ja-JP" altLang="en-US" smtClean="0"/>
-              <a:t>2023/12/25</a:t>
+              <a:t>2023/12/26</a:t>
             </a:fld>
             <a:endParaRPr kumimoji="1" lang="ja-JP" altLang="en-US"/>
           </a:p>
@@ -1830,7 +1830,7 @@
           <a:p>
             <a:fld id="{6B94EB93-6621-42F2-BC89-CD70A6A9EB52}" type="datetimeFigureOut">
               <a:rPr kumimoji="1" lang="ja-JP" altLang="en-US" smtClean="0"/>
-              <a:t>2023/12/25</a:t>
+              <a:t>2023/12/26</a:t>
             </a:fld>
             <a:endParaRPr kumimoji="1" lang="ja-JP" altLang="en-US"/>
           </a:p>
@@ -1948,7 +1948,7 @@
           <a:p>
             <a:fld id="{6B94EB93-6621-42F2-BC89-CD70A6A9EB52}" type="datetimeFigureOut">
               <a:rPr kumimoji="1" lang="ja-JP" altLang="en-US" smtClean="0"/>
-              <a:t>2023/12/25</a:t>
+              <a:t>2023/12/26</a:t>
             </a:fld>
             <a:endParaRPr kumimoji="1" lang="ja-JP" altLang="en-US"/>
           </a:p>
@@ -2043,7 +2043,7 @@
           <a:p>
             <a:fld id="{6B94EB93-6621-42F2-BC89-CD70A6A9EB52}" type="datetimeFigureOut">
               <a:rPr kumimoji="1" lang="ja-JP" altLang="en-US" smtClean="0"/>
-              <a:t>2023/12/25</a:t>
+              <a:t>2023/12/26</a:t>
             </a:fld>
             <a:endParaRPr kumimoji="1" lang="ja-JP" altLang="en-US"/>
           </a:p>
@@ -2352,7 +2352,7 @@
           <a:p>
             <a:fld id="{6B94EB93-6621-42F2-BC89-CD70A6A9EB52}" type="datetimeFigureOut">
               <a:rPr kumimoji="1" lang="ja-JP" altLang="en-US" smtClean="0"/>
-              <a:t>2023/12/25</a:t>
+              <a:t>2023/12/26</a:t>
             </a:fld>
             <a:endParaRPr kumimoji="1" lang="ja-JP" altLang="en-US"/>
           </a:p>
@@ -2609,7 +2609,7 @@
           <a:p>
             <a:fld id="{6B94EB93-6621-42F2-BC89-CD70A6A9EB52}" type="datetimeFigureOut">
               <a:rPr kumimoji="1" lang="ja-JP" altLang="en-US" smtClean="0"/>
-              <a:t>2023/12/25</a:t>
+              <a:t>2023/12/26</a:t>
             </a:fld>
             <a:endParaRPr kumimoji="1" lang="ja-JP" altLang="en-US"/>
           </a:p>
@@ -2854,7 +2854,7 @@
           <a:p>
             <a:fld id="{6B94EB93-6621-42F2-BC89-CD70A6A9EB52}" type="datetimeFigureOut">
               <a:rPr kumimoji="1" lang="ja-JP" altLang="en-US" smtClean="0"/>
-              <a:t>2023/12/25</a:t>
+              <a:t>2023/12/26</a:t>
             </a:fld>
             <a:endParaRPr kumimoji="1" lang="ja-JP" altLang="en-US"/>
           </a:p>
@@ -4289,31 +4289,7 @@
           <a:p>
             <a:pPr algn="ctr"/>
             <a:r>
-              <a:rPr lang="en-US" altLang="ja-JP" b="0" i="0" dirty="0">
-                <a:solidFill>
-                  <a:srgbClr val="E8EAED"/>
-                </a:solidFill>
-                <a:effectLst/>
-                <a:latin typeface="Google Sans"/>
-              </a:rPr>
-              <a:t>【</a:t>
-            </a:r>
-            <a:r>
-              <a:rPr lang="ja-JP" altLang="en-US" dirty="0"/>
-              <a:t>任意</a:t>
-            </a:r>
-            <a:r>
-              <a:rPr lang="en-US" altLang="ja-JP" b="0" i="0" dirty="0">
-                <a:solidFill>
-                  <a:srgbClr val="E8EAED"/>
-                </a:solidFill>
-                <a:effectLst/>
-                <a:latin typeface="Google Sans"/>
-              </a:rPr>
-              <a:t>】</a:t>
-            </a:r>
-            <a:r>
-              <a:rPr lang="en-US" altLang="ja-JP" dirty="0" err="1"/>
+              <a:rPr lang="en-US" altLang="ja-JP"/>
               <a:t>dat</a:t>
             </a:r>
             <a:r>
